--- a/ProjectDescriptions/P4 - Continuous Time Markov Chains.pptx
+++ b/ProjectDescriptions/P4 - Continuous Time Markov Chains.pptx
@@ -5,7 +5,7 @@
     <p:sldMasterId id="2147483660" r:id="rId1"/>
   </p:sldMasterIdLst>
   <p:notesMasterIdLst>
-    <p:notesMasterId r:id="rId16"/>
+    <p:notesMasterId r:id="rId17"/>
   </p:notesMasterIdLst>
   <p:sldIdLst>
     <p:sldId id="256" r:id="rId2"/>
@@ -20,8 +20,9 @@
     <p:sldId id="454" r:id="rId11"/>
     <p:sldId id="452" r:id="rId12"/>
     <p:sldId id="449" r:id="rId13"/>
-    <p:sldId id="267" r:id="rId14"/>
-    <p:sldId id="257" r:id="rId15"/>
+    <p:sldId id="457" r:id="rId14"/>
+    <p:sldId id="267" r:id="rId15"/>
+    <p:sldId id="257" r:id="rId16"/>
   </p:sldIdLst>
   <p:sldSz cx="12192000" cy="6858000"/>
   <p:notesSz cx="6858000" cy="9144000"/>
@@ -210,7 +211,7 @@
           <a:p>
             <a:fld id="{A0C1F70C-5BF6-43D2-96A0-6511110BD68E}" type="datetimeFigureOut">
               <a:rPr lang="en-US" smtClean="0"/>
-              <a:t>12/13/2022</a:t>
+              <a:t>12/19/2022</a:t>
             </a:fld>
             <a:endParaRPr lang="en-US"/>
           </a:p>
@@ -713,7 +714,7 @@
           <a:p>
             <a:fld id="{63CC9EBA-D40F-4B2C-8629-D756AD22D0E0}" type="slidenum">
               <a:rPr lang="en-US" smtClean="0"/>
-              <a:t>13</a:t>
+              <a:t>14</a:t>
             </a:fld>
             <a:endParaRPr lang="en-US"/>
           </a:p>
@@ -2456,7 +2457,7 @@
           <a:p>
             <a:fld id="{D56A5F13-4F86-5646-9B99-A42325757066}" type="datetime1">
               <a:rPr lang="en-US" smtClean="0"/>
-              <a:t>12/13/2022</a:t>
+              <a:t>12/19/2022</a:t>
             </a:fld>
             <a:endParaRPr lang="en-US"/>
           </a:p>
@@ -2745,7 +2746,7 @@
           <a:p>
             <a:fld id="{34C8E77E-B710-C741-B9C3-BDFAF2BD28F5}" type="datetime1">
               <a:rPr lang="en-US" smtClean="0"/>
-              <a:t>12/13/2022</a:t>
+              <a:t>12/19/2022</a:t>
             </a:fld>
             <a:endParaRPr lang="en-US"/>
           </a:p>
@@ -3034,7 +3035,7 @@
           <a:p>
             <a:fld id="{3CC70E32-BC87-A748-B8DC-BBE1A8E155BB}" type="datetime1">
               <a:rPr lang="en-US" smtClean="0"/>
-              <a:t>12/13/2022</a:t>
+              <a:t>12/19/2022</a:t>
             </a:fld>
             <a:endParaRPr lang="en-US"/>
           </a:p>
@@ -3323,7 +3324,7 @@
           <a:p>
             <a:fld id="{FF80D806-2732-D74C-AA54-685EF616F24A}" type="datetime1">
               <a:rPr lang="en-US" smtClean="0"/>
-              <a:t>12/13/2022</a:t>
+              <a:t>12/19/2022</a:t>
             </a:fld>
             <a:endParaRPr lang="en-US"/>
           </a:p>
@@ -3560,7 +3561,7 @@
           <a:p>
             <a:fld id="{7EE62EE2-D39B-DB40-8504-5F31AB3A7B1B}" type="datetime1">
               <a:rPr lang="en-US" smtClean="0"/>
-              <a:t>12/13/2022</a:t>
+              <a:t>12/19/2022</a:t>
             </a:fld>
             <a:endParaRPr lang="en-US"/>
           </a:p>
@@ -4017,7 +4018,7 @@
           <a:p>
             <a:fld id="{F2C6AE98-BAC0-8443-BBA0-C97A4F30D31A}" type="datetime1">
               <a:rPr lang="en-US" smtClean="0"/>
-              <a:t>12/13/2022</a:t>
+              <a:t>12/19/2022</a:t>
             </a:fld>
             <a:endParaRPr lang="en-US"/>
           </a:p>
@@ -4285,7 +4286,7 @@
           <a:p>
             <a:fld id="{88DBBF51-3929-3A49-BA7D-3AF73092A0AD}" type="datetime1">
               <a:rPr lang="en-US" smtClean="0"/>
-              <a:t>12/13/2022</a:t>
+              <a:t>12/19/2022</a:t>
             </a:fld>
             <a:endParaRPr lang="en-US"/>
           </a:p>
@@ -4483,7 +4484,7 @@
           <a:p>
             <a:fld id="{36C5C674-12AF-41F5-BDE5-1132B29F8CB8}" type="datetime1">
               <a:rPr lang="en-US" smtClean="0"/>
-              <a:t>12/13/2022</a:t>
+              <a:t>12/19/2022</a:t>
             </a:fld>
             <a:endParaRPr lang="en-US"/>
           </a:p>
@@ -6856,7 +6857,7 @@
           <a:p>
             <a:fld id="{3D457031-A04F-0040-B79E-439CA9E02781}" type="datetime1">
               <a:rPr lang="en-US" smtClean="0"/>
-              <a:t>12/13/2022</a:t>
+              <a:t>12/19/2022</a:t>
             </a:fld>
             <a:endParaRPr lang="en-US"/>
           </a:p>
@@ -7106,7 +7107,7 @@
           <a:p>
             <a:fld id="{641269E8-56DE-E044-B0E5-B498755A2633}" type="datetime1">
               <a:rPr lang="en-US" smtClean="0"/>
-              <a:t>12/13/2022</a:t>
+              <a:t>12/19/2022</a:t>
             </a:fld>
             <a:endParaRPr lang="en-US"/>
           </a:p>
@@ -7492,7 +7493,7 @@
           <a:p>
             <a:fld id="{219B2A40-E9E6-7E49-9EE5-F8C2FAB652F4}" type="datetime1">
               <a:rPr lang="en-US" smtClean="0"/>
-              <a:t>12/13/2022</a:t>
+              <a:t>12/19/2022</a:t>
             </a:fld>
             <a:endParaRPr lang="en-US"/>
           </a:p>
@@ -7752,7 +7753,7 @@
           <a:p>
             <a:fld id="{08D12B45-3253-4A45-B8F9-2E00FEB0C480}" type="datetime1">
               <a:rPr lang="en-US" smtClean="0"/>
-              <a:t>12/13/2022</a:t>
+              <a:t>12/19/2022</a:t>
             </a:fld>
             <a:endParaRPr lang="en-US"/>
           </a:p>
@@ -9919,8 +9920,13 @@
             </a:pPr>
             <a:r>
               <a:rPr lang="en-US" dirty="0"/>
-              <a:t>Sample timestamps from the DTMC (project-3)</a:t>
+              <a:t>Sample timestamps from the DTMC </a:t>
             </a:r>
+            <a:r>
+              <a:rPr lang="en-US"/>
+              <a:t>(project-1)</a:t>
+            </a:r>
+            <a:endParaRPr lang="en-US" dirty="0"/>
           </a:p>
           <a:p>
             <a:pPr marL="697194" lvl="1" indent="-457200">
@@ -11067,6 +11073,157 @@
       </p:grpSpPr>
       <p:sp>
         <p:nvSpPr>
+          <p:cNvPr id="2" name="Text Placeholder 1">
+            <a:extLst>
+              <a:ext uri="{FF2B5EF4-FFF2-40B4-BE49-F238E27FC236}">
+                <a16:creationId xmlns:a16="http://schemas.microsoft.com/office/drawing/2014/main" id="{C952081D-D09E-A76F-99C7-5E92298A64C1}"/>
+              </a:ext>
+            </a:extLst>
+          </p:cNvPr>
+          <p:cNvSpPr>
+            <a:spLocks noGrp="1"/>
+          </p:cNvSpPr>
+          <p:nvPr>
+            <p:ph type="body" sz="quarter" idx="13"/>
+          </p:nvPr>
+        </p:nvSpPr>
+        <p:spPr>
+          <a:xfrm>
+            <a:off x="478369" y="1225486"/>
+            <a:ext cx="11474451" cy="1450654"/>
+          </a:xfrm>
+        </p:spPr>
+        <p:txBody>
+          <a:bodyPr/>
+          <a:lstStyle/>
+          <a:p>
+            <a:r>
+              <a:rPr lang="en-US" dirty="0" err="1"/>
+              <a:t>Metzner</a:t>
+            </a:r>
+            <a:r>
+              <a:rPr lang="en-US" dirty="0"/>
+              <a:t>, Philipp, et al. "Generator estimation of Markov jump processes." </a:t>
+            </a:r>
+            <a:r>
+              <a:rPr lang="en-US" i="1" dirty="0"/>
+              <a:t>Journal of Computational Physics</a:t>
+            </a:r>
+            <a:r>
+              <a:rPr lang="en-US" dirty="0"/>
+              <a:t> 227.1 (2007): 353-375. </a:t>
+            </a:r>
+            <a:r>
+              <a:rPr lang="en-US">
+                <a:hlinkClick r:id="rId2"/>
+              </a:rPr>
+              <a:t>http</a:t>
+            </a:r>
+            <a:r>
+              <a:rPr lang="en-US" dirty="0">
+                <a:hlinkClick r:id="rId2"/>
+              </a:rPr>
+              <a:t>://publications.imp.fu-berlin.de/35/1/MeDiJaSc07.pdf</a:t>
+            </a:r>
+            <a:endParaRPr lang="en-US" dirty="0"/>
+          </a:p>
+          <a:p>
+            <a:endParaRPr lang="en-US" dirty="0"/>
+          </a:p>
+        </p:txBody>
+      </p:sp>
+      <p:sp>
+        <p:nvSpPr>
+          <p:cNvPr id="3" name="Title 2">
+            <a:extLst>
+              <a:ext uri="{FF2B5EF4-FFF2-40B4-BE49-F238E27FC236}">
+                <a16:creationId xmlns:a16="http://schemas.microsoft.com/office/drawing/2014/main" id="{F6FF741C-764A-A661-1B7A-8BD89FA419BC}"/>
+              </a:ext>
+            </a:extLst>
+          </p:cNvPr>
+          <p:cNvSpPr>
+            <a:spLocks noGrp="1"/>
+          </p:cNvSpPr>
+          <p:nvPr>
+            <p:ph type="title"/>
+          </p:nvPr>
+        </p:nvSpPr>
+        <p:spPr/>
+        <p:txBody>
+          <a:bodyPr/>
+          <a:lstStyle/>
+          <a:p>
+            <a:r>
+              <a:rPr lang="en-US" dirty="0"/>
+              <a:t>References</a:t>
+            </a:r>
+          </a:p>
+        </p:txBody>
+      </p:sp>
+      <p:sp>
+        <p:nvSpPr>
+          <p:cNvPr id="4" name="Slide Number Placeholder 3">
+            <a:extLst>
+              <a:ext uri="{FF2B5EF4-FFF2-40B4-BE49-F238E27FC236}">
+                <a16:creationId xmlns:a16="http://schemas.microsoft.com/office/drawing/2014/main" id="{8382D483-938F-0B9F-A8A4-E06F7F67F13F}"/>
+              </a:ext>
+            </a:extLst>
+          </p:cNvPr>
+          <p:cNvSpPr>
+            <a:spLocks noGrp="1"/>
+          </p:cNvSpPr>
+          <p:nvPr>
+            <p:ph type="sldNum" sz="quarter" idx="16"/>
+          </p:nvPr>
+        </p:nvSpPr>
+        <p:spPr/>
+        <p:txBody>
+          <a:bodyPr/>
+          <a:lstStyle/>
+          <a:p>
+            <a:fld id="{1915DC07-6425-4740-9695-FB9F2ED48CC1}" type="slidenum">
+              <a:rPr lang="en-US" smtClean="0"/>
+              <a:t>13</a:t>
+            </a:fld>
+            <a:endParaRPr lang="en-US"/>
+          </a:p>
+        </p:txBody>
+      </p:sp>
+    </p:spTree>
+    <p:extLst>
+      <p:ext uri="{BB962C8B-B14F-4D97-AF65-F5344CB8AC3E}">
+        <p14:creationId xmlns:p14="http://schemas.microsoft.com/office/powerpoint/2010/main" val="3503322471"/>
+      </p:ext>
+    </p:extLst>
+  </p:cSld>
+  <p:clrMapOvr>
+    <a:masterClrMapping/>
+  </p:clrMapOvr>
+  <p:transition>
+    <p:fade/>
+  </p:transition>
+</p:sld>
+</file>
+
+<file path=ppt/slides/slide14.xml><?xml version="1.0" encoding="utf-8"?>
+<p:sld xmlns:a="http://schemas.openxmlformats.org/drawingml/2006/main" xmlns:r="http://schemas.openxmlformats.org/officeDocument/2006/relationships" xmlns:p="http://schemas.openxmlformats.org/presentationml/2006/main">
+  <p:cSld>
+    <p:spTree>
+      <p:nvGrpSpPr>
+        <p:cNvPr id="1" name=""/>
+        <p:cNvGrpSpPr/>
+        <p:nvPr/>
+      </p:nvGrpSpPr>
+      <p:grpSpPr>
+        <a:xfrm>
+          <a:off x="0" y="0"/>
+          <a:ext cx="0" cy="0"/>
+          <a:chOff x="0" y="0"/>
+          <a:chExt cx="0" cy="0"/>
+        </a:xfrm>
+      </p:grpSpPr>
+      <p:sp>
+        <p:nvSpPr>
           <p:cNvPr id="2" name="Title 1">
             <a:extLst>
               <a:ext uri="{FF2B5EF4-FFF2-40B4-BE49-F238E27FC236}">
@@ -11111,7 +11268,7 @@
 </p:sld>
 </file>
 
-<file path=ppt/slides/slide14.xml><?xml version="1.0" encoding="utf-8"?>
+<file path=ppt/slides/slide15.xml><?xml version="1.0" encoding="utf-8"?>
 <p:sld xmlns:a="http://schemas.openxmlformats.org/drawingml/2006/main" xmlns:r="http://schemas.openxmlformats.org/officeDocument/2006/relationships" xmlns:p="http://schemas.openxmlformats.org/presentationml/2006/main">
   <p:cSld>
     <p:spTree>
@@ -15487,8 +15644,8 @@
           </a:fontRef>
         </p:style>
       </p:cxnSp>
-      <mc:AlternateContent xmlns:mc="http://schemas.openxmlformats.org/markup-compatibility/2006">
-        <mc:Choice xmlns:a14="http://schemas.microsoft.com/office/drawing/2010/main" Requires="a14">
+      <mc:AlternateContent xmlns:mc="http://schemas.openxmlformats.org/markup-compatibility/2006" xmlns:a14="http://schemas.microsoft.com/office/drawing/2010/main">
+        <mc:Choice Requires="a14">
           <p:graphicFrame>
             <p:nvGraphicFramePr>
               <p:cNvPr id="132" name="Table 132">
@@ -17274,7 +17431,6 @@
                             <a:rPr lang="en-US" sz="1400" dirty="0"/>
                             <a:t>1/0.50</a:t>
                           </a:r>
-                          <a14:m/>
                         </a:p>
                       </a:txBody>
                       <a:tcPr>
@@ -19792,7 +19948,7 @@
             </a:graphic>
           </p:graphicFrame>
         </mc:Choice>
-        <mc:Fallback>
+        <mc:Fallback xmlns="">
           <p:graphicFrame>
             <p:nvGraphicFramePr>
               <p:cNvPr id="132" name="Table 132">
